--- a/中期检查.pptx
+++ b/中期检查.pptx
@@ -8347,7 +8347,7 @@
         <p:spPr>
           <a:xfrm>
             <a:off x="857839" y="1055802"/>
-            <a:ext cx="4637988" cy="461665"/>
+            <a:ext cx="4637988" cy="523220"/>
           </a:xfrm>
           <a:prstGeom prst="rect">
             <a:avLst/>
@@ -8361,33 +8361,142 @@
           <a:lstStyle/>
           <a:p>
             <a:r>
-              <a:rPr lang="en-US" altLang="zh-CN" sz="2400" dirty="0">
-                <a:latin typeface="黑体" panose="02010609060101010101" pitchFamily="49" charset="-122"/>
-                <a:ea typeface="黑体" panose="02010609060101010101" pitchFamily="49" charset="-122"/>
-              </a:rPr>
+              <a:rPr lang="en-US" altLang="zh-CN" sz="2800" dirty="0"/>
               <a:t>5</a:t>
             </a:r>
             <a:r>
-              <a:rPr lang="zh-CN" altLang="en-US" sz="2400" dirty="0">
-                <a:latin typeface="黑体" panose="02010609060101010101" pitchFamily="49" charset="-122"/>
-                <a:ea typeface="黑体" panose="02010609060101010101" pitchFamily="49" charset="-122"/>
-              </a:rPr>
+              <a:rPr lang="zh-CN" altLang="en-US" sz="2800" dirty="0"/>
               <a:t>、</a:t>
             </a:r>
             <a:r>
-              <a:rPr lang="en-US" altLang="zh-CN" sz="2400" dirty="0">
-                <a:latin typeface="黑体" panose="02010609060101010101" pitchFamily="49" charset="-122"/>
-                <a:ea typeface="黑体" panose="02010609060101010101" pitchFamily="49" charset="-122"/>
-              </a:rPr>
+              <a:rPr lang="en-US" altLang="zh-CN" sz="2800" dirty="0"/>
               <a:t>AI</a:t>
             </a:r>
             <a:r>
-              <a:rPr lang="zh-CN" altLang="en-US" sz="2400" dirty="0">
-                <a:latin typeface="黑体" panose="02010609060101010101" pitchFamily="49" charset="-122"/>
-                <a:ea typeface="黑体" panose="02010609060101010101" pitchFamily="49" charset="-122"/>
-              </a:rPr>
+              <a:rPr lang="zh-CN" altLang="en-US" sz="2800" dirty="0"/>
               <a:t>开发计划</a:t>
             </a:r>
+          </a:p>
+        </p:txBody>
+      </p:sp>
+      <p:sp>
+        <p:nvSpPr>
+          <p:cNvPr id="4" name="文本框 3">
+            <a:extLst>
+              <a:ext uri="{FF2B5EF4-FFF2-40B4-BE49-F238E27FC236}">
+                <a16:creationId xmlns:a16="http://schemas.microsoft.com/office/drawing/2014/main" id="{32092F3E-5139-4403-9EAA-A0D24378C0B9}"/>
+              </a:ext>
+            </a:extLst>
+          </p:cNvPr>
+          <p:cNvSpPr txBox="1"/>
+          <p:nvPr/>
+        </p:nvSpPr>
+        <p:spPr>
+          <a:xfrm>
+            <a:off x="1437873" y="1633450"/>
+            <a:ext cx="9728891" cy="2616101"/>
+          </a:xfrm>
+          <a:prstGeom prst="rect">
+            <a:avLst/>
+          </a:prstGeom>
+          <a:noFill/>
+        </p:spPr>
+        <p:txBody>
+          <a:bodyPr wrap="square" rtlCol="0">
+            <a:spAutoFit/>
+          </a:bodyPr>
+          <a:lstStyle/>
+          <a:p>
+            <a:r>
+              <a:rPr lang="zh-CN" altLang="en-US" sz="2800" dirty="0"/>
+              <a:t>基本设想</a:t>
+            </a:r>
+            <a:endParaRPr lang="en-US" altLang="zh-CN" sz="2800" dirty="0"/>
+          </a:p>
+          <a:p>
+            <a:pPr marL="342900" indent="-342900">
+              <a:buAutoNum type="arabicPeriod"/>
+            </a:pPr>
+            <a:r>
+              <a:rPr lang="zh-CN" altLang="en-US" dirty="0"/>
+              <a:t>借鉴</a:t>
+            </a:r>
+            <a:r>
+              <a:rPr lang="en-US" altLang="zh-CN" dirty="0" err="1"/>
+              <a:t>leela</a:t>
+            </a:r>
+            <a:r>
+              <a:rPr lang="en-US" altLang="zh-CN" dirty="0"/>
+              <a:t>-zero</a:t>
+            </a:r>
+            <a:r>
+              <a:rPr lang="zh-CN" altLang="en-US" dirty="0"/>
+              <a:t>，使用蒙特卡洛树搜索和深度残差神经网络算法搭建模型</a:t>
+            </a:r>
+            <a:endParaRPr lang="en-US" altLang="zh-CN" dirty="0"/>
+          </a:p>
+          <a:p>
+            <a:pPr marL="342900" indent="-342900">
+              <a:buAutoNum type="arabicPeriod"/>
+            </a:pPr>
+            <a:r>
+              <a:rPr lang="zh-CN" altLang="en-US" dirty="0"/>
+              <a:t>训练多个算力层次的模型，用户可进行难度选择</a:t>
+            </a:r>
+            <a:endParaRPr lang="en-US" altLang="zh-CN" dirty="0"/>
+          </a:p>
+          <a:p>
+            <a:endParaRPr lang="en-US" altLang="zh-CN" sz="1800" dirty="0"/>
+          </a:p>
+          <a:p>
+            <a:r>
+              <a:rPr lang="zh-CN" altLang="en-US" sz="2800" dirty="0"/>
+              <a:t>创新设想</a:t>
+            </a:r>
+            <a:endParaRPr lang="en-US" altLang="zh-CN" sz="2800" dirty="0"/>
+          </a:p>
+          <a:p>
+            <a:pPr marL="342900" indent="-342900">
+              <a:buAutoNum type="arabicPeriod"/>
+            </a:pPr>
+            <a:r>
+              <a:rPr lang="zh-CN" altLang="en-US" dirty="0"/>
+              <a:t>每个算力层次的模型兼容</a:t>
+            </a:r>
+            <a:r>
+              <a:rPr lang="en-US" altLang="zh-CN" dirty="0"/>
+              <a:t>9*9</a:t>
+            </a:r>
+            <a:r>
+              <a:rPr lang="zh-CN" altLang="en-US" dirty="0"/>
+              <a:t>、</a:t>
+            </a:r>
+            <a:r>
+              <a:rPr lang="en-US" altLang="zh-CN" dirty="0"/>
+              <a:t>13*13</a:t>
+            </a:r>
+            <a:r>
+              <a:rPr lang="zh-CN" altLang="en-US" dirty="0"/>
+              <a:t>、</a:t>
+            </a:r>
+            <a:r>
+              <a:rPr lang="en-US" altLang="zh-CN" dirty="0"/>
+              <a:t>19*19</a:t>
+            </a:r>
+            <a:r>
+              <a:rPr lang="zh-CN" altLang="en-US" dirty="0"/>
+              <a:t>多种棋盘（可行性有待实践）</a:t>
+            </a:r>
+            <a:endParaRPr lang="en-US" altLang="zh-CN" dirty="0"/>
+          </a:p>
+          <a:p>
+            <a:pPr marL="342900" indent="-342900">
+              <a:buAutoNum type="arabicPeriod"/>
+            </a:pPr>
+            <a:endParaRPr lang="en-US" altLang="zh-CN" dirty="0"/>
+          </a:p>
+          <a:p>
+            <a:endParaRPr lang="zh-CN" altLang="en-US" dirty="0"/>
           </a:p>
         </p:txBody>
       </p:sp>
